--- a/Portfolio Website Design.pptx
+++ b/Portfolio Website Design.pptx
@@ -124,7 +124,7 @@
 <file path=ppt/revisionInfo.xml><?xml version="1.0" encoding="utf-8"?>
 <p1510:revInfo xmlns:a="http://schemas.openxmlformats.org/drawingml/2006/main" xmlns:r="http://schemas.openxmlformats.org/officeDocument/2006/relationships" xmlns:p1510="http://schemas.microsoft.com/office/powerpoint/2015/10/main">
   <p1510:revLst>
-    <p1510:client id="{185B6D18-C4B8-4F37-8BB9-ED17648F8CFB}" v="71" dt="2022-10-04T16:05:12.584"/>
+    <p1510:client id="{185B6D18-C4B8-4F37-8BB9-ED17648F8CFB}" v="72" dt="2022-10-06T19:12:35.730"/>
   </p1510:revLst>
 </p1510:revInfo>
 </file>
@@ -134,7 +134,7 @@
   <pc:docChgLst>
     <pc:chgData name="Havilash Sivaratnam" userId="b92a5899-3541-4eb5-9d8c-dbcb772a8f76" providerId="ADAL" clId="{185B6D18-C4B8-4F37-8BB9-ED17648F8CFB}"/>
     <pc:docChg chg="undo custSel addSld delSld modSld">
-      <pc:chgData name="Havilash Sivaratnam" userId="b92a5899-3541-4eb5-9d8c-dbcb772a8f76" providerId="ADAL" clId="{185B6D18-C4B8-4F37-8BB9-ED17648F8CFB}" dt="2022-10-04T16:05:12.584" v="642"/>
+      <pc:chgData name="Havilash Sivaratnam" userId="b92a5899-3541-4eb5-9d8c-dbcb772a8f76" providerId="ADAL" clId="{185B6D18-C4B8-4F37-8BB9-ED17648F8CFB}" dt="2022-10-06T19:12:47.142" v="689" actId="1076"/>
       <pc:docMkLst>
         <pc:docMk/>
       </pc:docMkLst>
@@ -5910,6 +5910,85 @@
             <ac:spMk id="9" creationId="{26CB1C31-AFBA-7EFB-85F2-3BAFD7489367}"/>
           </ac:spMkLst>
         </pc:spChg>
+      </pc:sldChg>
+      <pc:sldChg chg="addSp delSp modSp mod">
+        <pc:chgData name="Havilash Sivaratnam" userId="b92a5899-3541-4eb5-9d8c-dbcb772a8f76" providerId="ADAL" clId="{185B6D18-C4B8-4F37-8BB9-ED17648F8CFB}" dt="2022-10-06T19:12:47.142" v="689" actId="1076"/>
+        <pc:sldMkLst>
+          <pc:docMk/>
+          <pc:sldMk cId="500753334" sldId="265"/>
+        </pc:sldMkLst>
+        <pc:spChg chg="mod">
+          <ac:chgData name="Havilash Sivaratnam" userId="b92a5899-3541-4eb5-9d8c-dbcb772a8f76" providerId="ADAL" clId="{185B6D18-C4B8-4F37-8BB9-ED17648F8CFB}" dt="2022-10-06T19:09:14.048" v="652" actId="20577"/>
+          <ac:spMkLst>
+            <pc:docMk/>
+            <pc:sldMk cId="500753334" sldId="265"/>
+            <ac:spMk id="2" creationId="{250E1E99-138B-DF55-79D9-EACF7A357A66}"/>
+          </ac:spMkLst>
+        </pc:spChg>
+        <pc:spChg chg="mod">
+          <ac:chgData name="Havilash Sivaratnam" userId="b92a5899-3541-4eb5-9d8c-dbcb772a8f76" providerId="ADAL" clId="{185B6D18-C4B8-4F37-8BB9-ED17648F8CFB}" dt="2022-10-06T19:09:05.264" v="643"/>
+          <ac:spMkLst>
+            <pc:docMk/>
+            <pc:sldMk cId="500753334" sldId="265"/>
+            <ac:spMk id="5" creationId="{F6C2E1C1-1B64-C0DD-8BFD-8A0635B4723C}"/>
+          </ac:spMkLst>
+        </pc:spChg>
+        <pc:spChg chg="add mod">
+          <ac:chgData name="Havilash Sivaratnam" userId="b92a5899-3541-4eb5-9d8c-dbcb772a8f76" providerId="ADAL" clId="{185B6D18-C4B8-4F37-8BB9-ED17648F8CFB}" dt="2022-10-06T19:12:47.142" v="689" actId="1076"/>
+          <ac:spMkLst>
+            <pc:docMk/>
+            <pc:sldMk cId="500753334" sldId="265"/>
+            <ac:spMk id="10" creationId="{D6BCE0FD-86FB-A57A-7386-CCF44CBD3DD0}"/>
+          </ac:spMkLst>
+        </pc:spChg>
+        <pc:picChg chg="add mod modCrop">
+          <ac:chgData name="Havilash Sivaratnam" userId="b92a5899-3541-4eb5-9d8c-dbcb772a8f76" providerId="ADAL" clId="{185B6D18-C4B8-4F37-8BB9-ED17648F8CFB}" dt="2022-10-06T19:11:17.137" v="675" actId="1076"/>
+          <ac:picMkLst>
+            <pc:docMk/>
+            <pc:sldMk cId="500753334" sldId="265"/>
+            <ac:picMk id="4" creationId="{AC24C064-15EF-DC26-0730-93C74BE6E172}"/>
+          </ac:picMkLst>
+        </pc:picChg>
+        <pc:picChg chg="add mod modCrop">
+          <ac:chgData name="Havilash Sivaratnam" userId="b92a5899-3541-4eb5-9d8c-dbcb772a8f76" providerId="ADAL" clId="{185B6D18-C4B8-4F37-8BB9-ED17648F8CFB}" dt="2022-10-06T19:11:13.835" v="674" actId="1076"/>
+          <ac:picMkLst>
+            <pc:docMk/>
+            <pc:sldMk cId="500753334" sldId="265"/>
+            <ac:picMk id="7" creationId="{1AAFB21F-AD24-04E3-A5D8-C5E7C9256A2C}"/>
+          </ac:picMkLst>
+        </pc:picChg>
+        <pc:picChg chg="add mod">
+          <ac:chgData name="Havilash Sivaratnam" userId="b92a5899-3541-4eb5-9d8c-dbcb772a8f76" providerId="ADAL" clId="{185B6D18-C4B8-4F37-8BB9-ED17648F8CFB}" dt="2022-10-06T19:12:10.193" v="677" actId="1076"/>
+          <ac:picMkLst>
+            <pc:docMk/>
+            <pc:sldMk cId="500753334" sldId="265"/>
+            <ac:picMk id="9" creationId="{D06A7AFD-2BA2-AFBF-7FC0-B02486EEAB21}"/>
+          </ac:picMkLst>
+        </pc:picChg>
+        <pc:picChg chg="del">
+          <ac:chgData name="Havilash Sivaratnam" userId="b92a5899-3541-4eb5-9d8c-dbcb772a8f76" providerId="ADAL" clId="{185B6D18-C4B8-4F37-8BB9-ED17648F8CFB}" dt="2022-10-06T19:09:19.887" v="654" actId="478"/>
+          <ac:picMkLst>
+            <pc:docMk/>
+            <pc:sldMk cId="500753334" sldId="265"/>
+            <ac:picMk id="12" creationId="{C7AB835B-9BF1-EC49-A30F-CE73413C05FF}"/>
+          </ac:picMkLst>
+        </pc:picChg>
+        <pc:picChg chg="del">
+          <ac:chgData name="Havilash Sivaratnam" userId="b92a5899-3541-4eb5-9d8c-dbcb772a8f76" providerId="ADAL" clId="{185B6D18-C4B8-4F37-8BB9-ED17648F8CFB}" dt="2022-10-06T19:09:19.361" v="653" actId="478"/>
+          <ac:picMkLst>
+            <pc:docMk/>
+            <pc:sldMk cId="500753334" sldId="265"/>
+            <ac:picMk id="14" creationId="{1B134672-3C25-D6B1-5309-D5FC4F9F285D}"/>
+          </ac:picMkLst>
+        </pc:picChg>
+        <pc:picChg chg="del">
+          <ac:chgData name="Havilash Sivaratnam" userId="b92a5899-3541-4eb5-9d8c-dbcb772a8f76" providerId="ADAL" clId="{185B6D18-C4B8-4F37-8BB9-ED17648F8CFB}" dt="2022-10-06T19:09:20.565" v="655" actId="478"/>
+          <ac:picMkLst>
+            <pc:docMk/>
+            <pc:sldMk cId="500753334" sldId="265"/>
+            <ac:picMk id="21" creationId="{B898EB7A-CFAF-128E-2979-37C40B3FC7AF}"/>
+          </ac:picMkLst>
+        </pc:picChg>
       </pc:sldChg>
     </pc:docChg>
   </pc:docChgLst>
@@ -6011,7 +6090,7 @@
           <a:effectLst/>
           <a:extLst>
             <a:ext uri="{91240B29-F687-4f45-9708-019B960494DF}">
-              <a14:hiddenLine xmlns="" xmlns:a14="http://schemas.microsoft.com/office/drawing/2010/main" w="9525">
+              <a14:hiddenLine xmlns:a14="http://schemas.microsoft.com/office/drawing/2010/main" xmlns="" w="9525">
                 <a:solidFill>
                   <a:srgbClr val="000000"/>
                 </a:solidFill>
@@ -6203,7 +6282,7 @@
           <a:p>
             <a:fld id="{777CB61F-8064-494C-AE5A-D23A5956DE3E}" type="datetimeFigureOut">
               <a:rPr lang="de-CH" smtClean="0"/>
-              <a:t>05.10.2022</a:t>
+              <a:t>06.10.2022</a:t>
             </a:fld>
             <a:endParaRPr lang="de-CH"/>
           </a:p>
@@ -6521,7 +6600,7 @@
           <a:p>
             <a:fld id="{777CB61F-8064-494C-AE5A-D23A5956DE3E}" type="datetimeFigureOut">
               <a:rPr lang="de-CH" smtClean="0"/>
-              <a:t>05.10.2022</a:t>
+              <a:t>06.10.2022</a:t>
             </a:fld>
             <a:endParaRPr lang="de-CH"/>
           </a:p>
@@ -7009,7 +7088,7 @@
           <a:p>
             <a:fld id="{777CB61F-8064-494C-AE5A-D23A5956DE3E}" type="datetimeFigureOut">
               <a:rPr lang="de-CH" smtClean="0"/>
-              <a:t>05.10.2022</a:t>
+              <a:t>06.10.2022</a:t>
             </a:fld>
             <a:endParaRPr lang="de-CH"/>
           </a:p>
@@ -7378,7 +7457,7 @@
           <a:p>
             <a:fld id="{777CB61F-8064-494C-AE5A-D23A5956DE3E}" type="datetimeFigureOut">
               <a:rPr lang="de-CH" smtClean="0"/>
-              <a:t>05.10.2022</a:t>
+              <a:t>06.10.2022</a:t>
             </a:fld>
             <a:endParaRPr lang="de-CH"/>
           </a:p>
@@ -7533,7 +7612,7 @@
           <a:ln/>
           <a:extLst>
             <a:ext uri="{91240B29-F687-4f45-9708-019B960494DF}">
-              <a14:hiddenLine xmlns="" xmlns:a14="http://schemas.microsoft.com/office/drawing/2010/main" w="9525">
+              <a14:hiddenLine xmlns:a14="http://schemas.microsoft.com/office/drawing/2010/main" xmlns="" w="9525">
                 <a:solidFill>
                   <a:srgbClr val="000000"/>
                 </a:solidFill>
@@ -7651,7 +7730,7 @@
           <a:p>
             <a:fld id="{777CB61F-8064-494C-AE5A-D23A5956DE3E}" type="datetimeFigureOut">
               <a:rPr lang="de-CH" smtClean="0"/>
-              <a:t>05.10.2022</a:t>
+              <a:t>06.10.2022</a:t>
             </a:fld>
             <a:endParaRPr lang="de-CH"/>
           </a:p>
@@ -7808,7 +7887,7 @@
           <a:ln/>
           <a:extLst>
             <a:ext uri="{91240B29-F687-4f45-9708-019B960494DF}">
-              <a14:hiddenLine xmlns="" xmlns:a14="http://schemas.microsoft.com/office/drawing/2010/main" w="9525">
+              <a14:hiddenLine xmlns:a14="http://schemas.microsoft.com/office/drawing/2010/main" xmlns="" w="9525">
                 <a:solidFill>
                   <a:srgbClr val="000000"/>
                 </a:solidFill>
@@ -7936,7 +8015,7 @@
           <a:p>
             <a:fld id="{777CB61F-8064-494C-AE5A-D23A5956DE3E}" type="datetimeFigureOut">
               <a:rPr lang="de-CH" smtClean="0"/>
-              <a:t>05.10.2022</a:t>
+              <a:t>06.10.2022</a:t>
             </a:fld>
             <a:endParaRPr lang="de-CH"/>
           </a:p>
@@ -8091,7 +8170,7 @@
           <a:ln/>
           <a:extLst>
             <a:ext uri="{91240B29-F687-4f45-9708-019B960494DF}">
-              <a14:hiddenLine xmlns="" xmlns:a14="http://schemas.microsoft.com/office/drawing/2010/main" w="9525">
+              <a14:hiddenLine xmlns:a14="http://schemas.microsoft.com/office/drawing/2010/main" xmlns="" w="9525">
                 <a:solidFill>
                   <a:srgbClr val="000000"/>
                 </a:solidFill>
@@ -8219,7 +8298,7 @@
           <a:p>
             <a:fld id="{777CB61F-8064-494C-AE5A-D23A5956DE3E}" type="datetimeFigureOut">
               <a:rPr lang="de-CH" smtClean="0"/>
-              <a:t>05.10.2022</a:t>
+              <a:t>06.10.2022</a:t>
             </a:fld>
             <a:endParaRPr lang="de-CH"/>
           </a:p>
@@ -8562,7 +8641,7 @@
           <a:p>
             <a:fld id="{777CB61F-8064-494C-AE5A-D23A5956DE3E}" type="datetimeFigureOut">
               <a:rPr lang="de-CH" smtClean="0"/>
-              <a:t>05.10.2022</a:t>
+              <a:t>06.10.2022</a:t>
             </a:fld>
             <a:endParaRPr lang="de-CH"/>
           </a:p>
@@ -8717,7 +8796,7 @@
           <a:ln/>
           <a:extLst>
             <a:ext uri="{91240B29-F687-4f45-9708-019B960494DF}">
-              <a14:hiddenLine xmlns="" xmlns:a14="http://schemas.microsoft.com/office/drawing/2010/main" w="9525">
+              <a14:hiddenLine xmlns:a14="http://schemas.microsoft.com/office/drawing/2010/main" xmlns="" w="9525">
                 <a:solidFill>
                   <a:srgbClr val="000000"/>
                 </a:solidFill>
@@ -8901,7 +8980,7 @@
           <a:p>
             <a:fld id="{777CB61F-8064-494C-AE5A-D23A5956DE3E}" type="datetimeFigureOut">
               <a:rPr lang="de-CH" smtClean="0"/>
-              <a:t>05.10.2022</a:t>
+              <a:t>06.10.2022</a:t>
             </a:fld>
             <a:endParaRPr lang="de-CH"/>
           </a:p>
@@ -9056,7 +9135,7 @@
           <a:ln/>
           <a:extLst>
             <a:ext uri="{91240B29-F687-4f45-9708-019B960494DF}">
-              <a14:hiddenLine xmlns="" xmlns:a14="http://schemas.microsoft.com/office/drawing/2010/main" w="9525">
+              <a14:hiddenLine xmlns:a14="http://schemas.microsoft.com/office/drawing/2010/main" xmlns="" w="9525">
                 <a:solidFill>
                   <a:srgbClr val="000000"/>
                 </a:solidFill>
@@ -9378,7 +9457,7 @@
           <a:p>
             <a:fld id="{777CB61F-8064-494C-AE5A-D23A5956DE3E}" type="datetimeFigureOut">
               <a:rPr lang="de-CH" smtClean="0"/>
-              <a:t>05.10.2022</a:t>
+              <a:t>06.10.2022</a:t>
             </a:fld>
             <a:endParaRPr lang="de-CH"/>
           </a:p>
@@ -9533,7 +9612,7 @@
           <a:ln/>
           <a:extLst>
             <a:ext uri="{91240B29-F687-4f45-9708-019B960494DF}">
-              <a14:hiddenLine xmlns="" xmlns:a14="http://schemas.microsoft.com/office/drawing/2010/main" w="9525">
+              <a14:hiddenLine xmlns:a14="http://schemas.microsoft.com/office/drawing/2010/main" xmlns="" w="9525">
                 <a:solidFill>
                   <a:srgbClr val="000000"/>
                 </a:solidFill>
@@ -9599,7 +9678,7 @@
           <a:p>
             <a:fld id="{777CB61F-8064-494C-AE5A-D23A5956DE3E}" type="datetimeFigureOut">
               <a:rPr lang="de-CH" smtClean="0"/>
-              <a:t>05.10.2022</a:t>
+              <a:t>06.10.2022</a:t>
             </a:fld>
             <a:endParaRPr lang="de-CH"/>
           </a:p>
@@ -9694,7 +9773,7 @@
           <a:p>
             <a:fld id="{777CB61F-8064-494C-AE5A-D23A5956DE3E}" type="datetimeFigureOut">
               <a:rPr lang="de-CH" smtClean="0"/>
-              <a:t>05.10.2022</a:t>
+              <a:t>06.10.2022</a:t>
             </a:fld>
             <a:endParaRPr lang="de-CH"/>
           </a:p>
@@ -9962,7 +10041,7 @@
           <a:ln/>
           <a:extLst>
             <a:ext uri="{91240B29-F687-4f45-9708-019B960494DF}">
-              <a14:hiddenLine xmlns="" xmlns:a14="http://schemas.microsoft.com/office/drawing/2010/main" w="9525">
+              <a14:hiddenLine xmlns:a14="http://schemas.microsoft.com/office/drawing/2010/main" xmlns="" w="9525">
                 <a:solidFill>
                   <a:srgbClr val="000000"/>
                 </a:solidFill>
@@ -10161,7 +10240,7 @@
           <a:p>
             <a:fld id="{777CB61F-8064-494C-AE5A-D23A5956DE3E}" type="datetimeFigureOut">
               <a:rPr lang="de-CH" smtClean="0"/>
-              <a:t>05.10.2022</a:t>
+              <a:t>06.10.2022</a:t>
             </a:fld>
             <a:endParaRPr lang="de-CH"/>
           </a:p>
@@ -10474,7 +10553,7 @@
           <a:p>
             <a:fld id="{777CB61F-8064-494C-AE5A-D23A5956DE3E}" type="datetimeFigureOut">
               <a:rPr lang="de-CH" smtClean="0"/>
-              <a:t>05.10.2022</a:t>
+              <a:t>06.10.2022</a:t>
             </a:fld>
             <a:endParaRPr lang="de-CH"/>
           </a:p>
@@ -10744,7 +10823,7 @@
           <a:p>
             <a:fld id="{777CB61F-8064-494C-AE5A-D23A5956DE3E}" type="datetimeFigureOut">
               <a:rPr lang="de-CH" smtClean="0"/>
-              <a:t>05.10.2022</a:t>
+              <a:t>06.10.2022</a:t>
             </a:fld>
             <a:endParaRPr lang="de-CH"/>
           </a:p>
@@ -12936,17 +13015,17 @@
           <a:p>
             <a:r>
               <a:rPr lang="de-CH" dirty="0"/>
-              <a:t>https://fonts.google.com/specimen/Roboto</a:t>
+              <a:t>https://fonts.google.com/specimen/Poppins</a:t>
             </a:r>
           </a:p>
         </p:txBody>
       </p:sp>
       <p:pic>
         <p:nvPicPr>
-          <p:cNvPr id="12" name="Grafik 11">
+          <p:cNvPr id="4" name="Grafik 3">
             <a:extLst>
               <a:ext uri="{FF2B5EF4-FFF2-40B4-BE49-F238E27FC236}">
-                <a16:creationId xmlns:a16="http://schemas.microsoft.com/office/drawing/2014/main" id="{C7AB835B-9BF1-EC49-A30F-CE73413C05FF}"/>
+                <a16:creationId xmlns:a16="http://schemas.microsoft.com/office/drawing/2014/main" id="{AC24C064-15EF-DC26-0730-93C74BE6E172}"/>
               </a:ext>
             </a:extLst>
           </p:cNvPr>
@@ -12957,13 +13036,13 @@
         </p:nvPicPr>
         <p:blipFill rotWithShape="1">
           <a:blip r:embed="rId2"/>
-          <a:srcRect t="1234" r="72794" b="23777"/>
+          <a:srcRect t="434" r="60285" b="182"/>
           <a:stretch/>
         </p:blipFill>
         <p:spPr>
           <a:xfrm>
-            <a:off x="522851" y="2400743"/>
-            <a:ext cx="1850832" cy="4010069"/>
+            <a:off x="565186" y="2053085"/>
+            <a:ext cx="1581243" cy="4710023"/>
           </a:xfrm>
           <a:prstGeom prst="rect">
             <a:avLst/>
@@ -12972,10 +13051,10 @@
       </p:pic>
       <p:pic>
         <p:nvPicPr>
-          <p:cNvPr id="14" name="Grafik 13">
+          <p:cNvPr id="7" name="Grafik 6">
             <a:extLst>
               <a:ext uri="{FF2B5EF4-FFF2-40B4-BE49-F238E27FC236}">
-                <a16:creationId xmlns:a16="http://schemas.microsoft.com/office/drawing/2014/main" id="{1B134672-3C25-D6B1-5309-D5FC4F9F285D}"/>
+                <a16:creationId xmlns:a16="http://schemas.microsoft.com/office/drawing/2014/main" id="{1AAFB21F-AD24-04E3-A5D8-C5E7C9256A2C}"/>
               </a:ext>
             </a:extLst>
           </p:cNvPr>
@@ -12986,13 +13065,13 @@
         </p:nvPicPr>
         <p:blipFill rotWithShape="1">
           <a:blip r:embed="rId3"/>
-          <a:srcRect t="15867" r="71544"/>
+          <a:srcRect t="1462" r="41455" b="1332"/>
           <a:stretch/>
         </p:blipFill>
         <p:spPr>
           <a:xfrm>
-            <a:off x="2373683" y="2400743"/>
-            <a:ext cx="1909392" cy="4019107"/>
+            <a:off x="2819288" y="2053086"/>
+            <a:ext cx="1769965" cy="4710023"/>
           </a:xfrm>
           <a:prstGeom prst="rect">
             <a:avLst/>
@@ -13001,10 +13080,10 @@
       </p:pic>
       <p:pic>
         <p:nvPicPr>
-          <p:cNvPr id="21" name="Grafik 20">
+          <p:cNvPr id="9" name="Grafik 8">
             <a:extLst>
               <a:ext uri="{FF2B5EF4-FFF2-40B4-BE49-F238E27FC236}">
-                <a16:creationId xmlns:a16="http://schemas.microsoft.com/office/drawing/2014/main" id="{B898EB7A-CFAF-128E-2979-37C40B3FC7AF}"/>
+                <a16:creationId xmlns:a16="http://schemas.microsoft.com/office/drawing/2014/main" id="{D06A7AFD-2BA2-AFBF-7FC0-B02486EEAB21}"/>
               </a:ext>
             </a:extLst>
           </p:cNvPr>
@@ -13013,21 +13092,136 @@
           </p:cNvPicPr>
           <p:nvPr/>
         </p:nvPicPr>
-        <p:blipFill rotWithShape="1">
+        <p:blipFill>
           <a:blip r:embed="rId4"/>
-          <a:srcRect t="21138"/>
-          <a:stretch/>
+          <a:stretch>
+            <a:fillRect/>
+          </a:stretch>
         </p:blipFill>
         <p:spPr>
           <a:xfrm>
-            <a:off x="5362719" y="3677050"/>
-            <a:ext cx="6306430" cy="1457454"/>
+            <a:off x="5262112" y="3336945"/>
+            <a:ext cx="6315956" cy="1857634"/>
           </a:xfrm>
           <a:prstGeom prst="rect">
             <a:avLst/>
           </a:prstGeom>
         </p:spPr>
       </p:pic>
+      <p:sp>
+        <p:nvSpPr>
+          <p:cNvPr id="10" name="Titel 1">
+            <a:extLst>
+              <a:ext uri="{FF2B5EF4-FFF2-40B4-BE49-F238E27FC236}">
+                <a16:creationId xmlns:a16="http://schemas.microsoft.com/office/drawing/2014/main" id="{D6BCE0FD-86FB-A57A-7386-CCF44CBD3DD0}"/>
+              </a:ext>
+            </a:extLst>
+          </p:cNvPr>
+          <p:cNvSpPr txBox="1">
+            <a:spLocks/>
+          </p:cNvSpPr>
+          <p:nvPr/>
+        </p:nvSpPr>
+        <p:spPr>
+          <a:xfrm>
+            <a:off x="7288150" y="2053085"/>
+            <a:ext cx="2263879" cy="970450"/>
+          </a:xfrm>
+          <a:prstGeom prst="rect">
+            <a:avLst/>
+          </a:prstGeom>
+          <a:effectLst>
+            <a:outerShdw blurRad="50800" dir="14400000">
+              <a:srgbClr val="000000">
+                <a:alpha val="60000"/>
+              </a:srgbClr>
+            </a:outerShdw>
+          </a:effectLst>
+        </p:spPr>
+        <p:txBody>
+          <a:bodyPr vert="horz" lIns="91440" tIns="45720" rIns="91440" bIns="45720" rtlCol="0" anchor="b">
+            <a:noAutofit/>
+          </a:bodyPr>
+          <a:lstStyle>
+            <a:lvl1pPr algn="l" defTabSz="457200" rtl="0" eaLnBrk="1" latinLnBrk="0" hangingPunct="1">
+              <a:spcBef>
+                <a:spcPct val="0"/>
+              </a:spcBef>
+              <a:buNone/>
+              <a:defRPr sz="4000" b="1" kern="1200">
+                <a:solidFill>
+                  <a:srgbClr val="FEFEFE"/>
+                </a:solidFill>
+                <a:latin typeface="+mj-lt"/>
+                <a:ea typeface="+mj-ea"/>
+                <a:cs typeface="+mj-cs"/>
+              </a:defRPr>
+            </a:lvl1pPr>
+            <a:lvl2pPr eaLnBrk="1" hangingPunct="1">
+              <a:defRPr>
+                <a:solidFill>
+                  <a:schemeClr val="tx2"/>
+                </a:solidFill>
+              </a:defRPr>
+            </a:lvl2pPr>
+            <a:lvl3pPr eaLnBrk="1" hangingPunct="1">
+              <a:defRPr>
+                <a:solidFill>
+                  <a:schemeClr val="tx2"/>
+                </a:solidFill>
+              </a:defRPr>
+            </a:lvl3pPr>
+            <a:lvl4pPr eaLnBrk="1" hangingPunct="1">
+              <a:defRPr>
+                <a:solidFill>
+                  <a:schemeClr val="tx2"/>
+                </a:solidFill>
+              </a:defRPr>
+            </a:lvl4pPr>
+            <a:lvl5pPr eaLnBrk="1" hangingPunct="1">
+              <a:defRPr>
+                <a:solidFill>
+                  <a:schemeClr val="tx2"/>
+                </a:solidFill>
+              </a:defRPr>
+            </a:lvl5pPr>
+            <a:lvl6pPr eaLnBrk="1" hangingPunct="1">
+              <a:defRPr>
+                <a:solidFill>
+                  <a:schemeClr val="tx2"/>
+                </a:solidFill>
+              </a:defRPr>
+            </a:lvl6pPr>
+            <a:lvl7pPr eaLnBrk="1" hangingPunct="1">
+              <a:defRPr>
+                <a:solidFill>
+                  <a:schemeClr val="tx2"/>
+                </a:solidFill>
+              </a:defRPr>
+            </a:lvl7pPr>
+            <a:lvl8pPr eaLnBrk="1" hangingPunct="1">
+              <a:defRPr>
+                <a:solidFill>
+                  <a:schemeClr val="tx2"/>
+                </a:solidFill>
+              </a:defRPr>
+            </a:lvl8pPr>
+            <a:lvl9pPr eaLnBrk="1" hangingPunct="1">
+              <a:defRPr>
+                <a:solidFill>
+                  <a:schemeClr val="tx2"/>
+                </a:solidFill>
+              </a:defRPr>
+            </a:lvl9pPr>
+          </a:lstStyle>
+          <a:p>
+            <a:r>
+              <a:rPr lang="de-CH" dirty="0"/>
+              <a:t>Poppins</a:t>
+            </a:r>
+          </a:p>
+        </p:txBody>
+      </p:sp>
     </p:spTree>
     <p:extLst>
       <p:ext uri="{BB962C8B-B14F-4D97-AF65-F5344CB8AC3E}">
@@ -13566,13 +13760,13 @@
   <p:clrMapOvr>
     <a:masterClrMapping/>
   </p:clrMapOvr>
-  <mc:AlternateContent xmlns:mc="http://schemas.openxmlformats.org/markup-compatibility/2006">
-    <mc:Choice xmlns:p14="http://schemas.microsoft.com/office/powerpoint/2010/main" Requires="p14">
+  <mc:AlternateContent xmlns:mc="http://schemas.openxmlformats.org/markup-compatibility/2006" xmlns:p14="http://schemas.microsoft.com/office/powerpoint/2010/main">
+    <mc:Choice Requires="p14">
       <p:transition spd="med" p14:dur="700">
         <p:fade/>
       </p:transition>
     </mc:Choice>
-    <mc:Fallback>
+    <mc:Fallback xmlns="">
       <p:transition spd="med">
         <p:fade/>
       </p:transition>

--- a/Portfolio Website Design.pptx
+++ b/Portfolio Website Design.pptx
@@ -6090,7 +6090,7 @@
           <a:effectLst/>
           <a:extLst>
             <a:ext uri="{91240B29-F687-4f45-9708-019B960494DF}">
-              <a14:hiddenLine xmlns:a14="http://schemas.microsoft.com/office/drawing/2010/main" xmlns="" w="9525">
+              <a14:hiddenLine xmlns="" xmlns:a14="http://schemas.microsoft.com/office/drawing/2010/main" w="9525">
                 <a:solidFill>
                   <a:srgbClr val="000000"/>
                 </a:solidFill>
@@ -6282,7 +6282,7 @@
           <a:p>
             <a:fld id="{777CB61F-8064-494C-AE5A-D23A5956DE3E}" type="datetimeFigureOut">
               <a:rPr lang="de-CH" smtClean="0"/>
-              <a:t>06.10.2022</a:t>
+              <a:t>27.10.2022</a:t>
             </a:fld>
             <a:endParaRPr lang="de-CH"/>
           </a:p>
@@ -6600,7 +6600,7 @@
           <a:p>
             <a:fld id="{777CB61F-8064-494C-AE5A-D23A5956DE3E}" type="datetimeFigureOut">
               <a:rPr lang="de-CH" smtClean="0"/>
-              <a:t>06.10.2022</a:t>
+              <a:t>27.10.2022</a:t>
             </a:fld>
             <a:endParaRPr lang="de-CH"/>
           </a:p>
@@ -7088,7 +7088,7 @@
           <a:p>
             <a:fld id="{777CB61F-8064-494C-AE5A-D23A5956DE3E}" type="datetimeFigureOut">
               <a:rPr lang="de-CH" smtClean="0"/>
-              <a:t>06.10.2022</a:t>
+              <a:t>27.10.2022</a:t>
             </a:fld>
             <a:endParaRPr lang="de-CH"/>
           </a:p>
@@ -7457,7 +7457,7 @@
           <a:p>
             <a:fld id="{777CB61F-8064-494C-AE5A-D23A5956DE3E}" type="datetimeFigureOut">
               <a:rPr lang="de-CH" smtClean="0"/>
-              <a:t>06.10.2022</a:t>
+              <a:t>27.10.2022</a:t>
             </a:fld>
             <a:endParaRPr lang="de-CH"/>
           </a:p>
@@ -7612,7 +7612,7 @@
           <a:ln/>
           <a:extLst>
             <a:ext uri="{91240B29-F687-4f45-9708-019B960494DF}">
-              <a14:hiddenLine xmlns:a14="http://schemas.microsoft.com/office/drawing/2010/main" xmlns="" w="9525">
+              <a14:hiddenLine xmlns="" xmlns:a14="http://schemas.microsoft.com/office/drawing/2010/main" w="9525">
                 <a:solidFill>
                   <a:srgbClr val="000000"/>
                 </a:solidFill>
@@ -7730,7 +7730,7 @@
           <a:p>
             <a:fld id="{777CB61F-8064-494C-AE5A-D23A5956DE3E}" type="datetimeFigureOut">
               <a:rPr lang="de-CH" smtClean="0"/>
-              <a:t>06.10.2022</a:t>
+              <a:t>27.10.2022</a:t>
             </a:fld>
             <a:endParaRPr lang="de-CH"/>
           </a:p>
@@ -7887,7 +7887,7 @@
           <a:ln/>
           <a:extLst>
             <a:ext uri="{91240B29-F687-4f45-9708-019B960494DF}">
-              <a14:hiddenLine xmlns:a14="http://schemas.microsoft.com/office/drawing/2010/main" xmlns="" w="9525">
+              <a14:hiddenLine xmlns="" xmlns:a14="http://schemas.microsoft.com/office/drawing/2010/main" w="9525">
                 <a:solidFill>
                   <a:srgbClr val="000000"/>
                 </a:solidFill>
@@ -8015,7 +8015,7 @@
           <a:p>
             <a:fld id="{777CB61F-8064-494C-AE5A-D23A5956DE3E}" type="datetimeFigureOut">
               <a:rPr lang="de-CH" smtClean="0"/>
-              <a:t>06.10.2022</a:t>
+              <a:t>27.10.2022</a:t>
             </a:fld>
             <a:endParaRPr lang="de-CH"/>
           </a:p>
@@ -8170,7 +8170,7 @@
           <a:ln/>
           <a:extLst>
             <a:ext uri="{91240B29-F687-4f45-9708-019B960494DF}">
-              <a14:hiddenLine xmlns:a14="http://schemas.microsoft.com/office/drawing/2010/main" xmlns="" w="9525">
+              <a14:hiddenLine xmlns="" xmlns:a14="http://schemas.microsoft.com/office/drawing/2010/main" w="9525">
                 <a:solidFill>
                   <a:srgbClr val="000000"/>
                 </a:solidFill>
@@ -8298,7 +8298,7 @@
           <a:p>
             <a:fld id="{777CB61F-8064-494C-AE5A-D23A5956DE3E}" type="datetimeFigureOut">
               <a:rPr lang="de-CH" smtClean="0"/>
-              <a:t>06.10.2022</a:t>
+              <a:t>27.10.2022</a:t>
             </a:fld>
             <a:endParaRPr lang="de-CH"/>
           </a:p>
@@ -8641,7 +8641,7 @@
           <a:p>
             <a:fld id="{777CB61F-8064-494C-AE5A-D23A5956DE3E}" type="datetimeFigureOut">
               <a:rPr lang="de-CH" smtClean="0"/>
-              <a:t>06.10.2022</a:t>
+              <a:t>27.10.2022</a:t>
             </a:fld>
             <a:endParaRPr lang="de-CH"/>
           </a:p>
@@ -8796,7 +8796,7 @@
           <a:ln/>
           <a:extLst>
             <a:ext uri="{91240B29-F687-4f45-9708-019B960494DF}">
-              <a14:hiddenLine xmlns:a14="http://schemas.microsoft.com/office/drawing/2010/main" xmlns="" w="9525">
+              <a14:hiddenLine xmlns="" xmlns:a14="http://schemas.microsoft.com/office/drawing/2010/main" w="9525">
                 <a:solidFill>
                   <a:srgbClr val="000000"/>
                 </a:solidFill>
@@ -8980,7 +8980,7 @@
           <a:p>
             <a:fld id="{777CB61F-8064-494C-AE5A-D23A5956DE3E}" type="datetimeFigureOut">
               <a:rPr lang="de-CH" smtClean="0"/>
-              <a:t>06.10.2022</a:t>
+              <a:t>27.10.2022</a:t>
             </a:fld>
             <a:endParaRPr lang="de-CH"/>
           </a:p>
@@ -9135,7 +9135,7 @@
           <a:ln/>
           <a:extLst>
             <a:ext uri="{91240B29-F687-4f45-9708-019B960494DF}">
-              <a14:hiddenLine xmlns:a14="http://schemas.microsoft.com/office/drawing/2010/main" xmlns="" w="9525">
+              <a14:hiddenLine xmlns="" xmlns:a14="http://schemas.microsoft.com/office/drawing/2010/main" w="9525">
                 <a:solidFill>
                   <a:srgbClr val="000000"/>
                 </a:solidFill>
@@ -9457,7 +9457,7 @@
           <a:p>
             <a:fld id="{777CB61F-8064-494C-AE5A-D23A5956DE3E}" type="datetimeFigureOut">
               <a:rPr lang="de-CH" smtClean="0"/>
-              <a:t>06.10.2022</a:t>
+              <a:t>27.10.2022</a:t>
             </a:fld>
             <a:endParaRPr lang="de-CH"/>
           </a:p>
@@ -9612,7 +9612,7 @@
           <a:ln/>
           <a:extLst>
             <a:ext uri="{91240B29-F687-4f45-9708-019B960494DF}">
-              <a14:hiddenLine xmlns:a14="http://schemas.microsoft.com/office/drawing/2010/main" xmlns="" w="9525">
+              <a14:hiddenLine xmlns="" xmlns:a14="http://schemas.microsoft.com/office/drawing/2010/main" w="9525">
                 <a:solidFill>
                   <a:srgbClr val="000000"/>
                 </a:solidFill>
@@ -9678,7 +9678,7 @@
           <a:p>
             <a:fld id="{777CB61F-8064-494C-AE5A-D23A5956DE3E}" type="datetimeFigureOut">
               <a:rPr lang="de-CH" smtClean="0"/>
-              <a:t>06.10.2022</a:t>
+              <a:t>27.10.2022</a:t>
             </a:fld>
             <a:endParaRPr lang="de-CH"/>
           </a:p>
@@ -9773,7 +9773,7 @@
           <a:p>
             <a:fld id="{777CB61F-8064-494C-AE5A-D23A5956DE3E}" type="datetimeFigureOut">
               <a:rPr lang="de-CH" smtClean="0"/>
-              <a:t>06.10.2022</a:t>
+              <a:t>27.10.2022</a:t>
             </a:fld>
             <a:endParaRPr lang="de-CH"/>
           </a:p>
@@ -10041,7 +10041,7 @@
           <a:ln/>
           <a:extLst>
             <a:ext uri="{91240B29-F687-4f45-9708-019B960494DF}">
-              <a14:hiddenLine xmlns:a14="http://schemas.microsoft.com/office/drawing/2010/main" xmlns="" w="9525">
+              <a14:hiddenLine xmlns="" xmlns:a14="http://schemas.microsoft.com/office/drawing/2010/main" w="9525">
                 <a:solidFill>
                   <a:srgbClr val="000000"/>
                 </a:solidFill>
@@ -10240,7 +10240,7 @@
           <a:p>
             <a:fld id="{777CB61F-8064-494C-AE5A-D23A5956DE3E}" type="datetimeFigureOut">
               <a:rPr lang="de-CH" smtClean="0"/>
-              <a:t>06.10.2022</a:t>
+              <a:t>27.10.2022</a:t>
             </a:fld>
             <a:endParaRPr lang="de-CH"/>
           </a:p>
@@ -10553,7 +10553,7 @@
           <a:p>
             <a:fld id="{777CB61F-8064-494C-AE5A-D23A5956DE3E}" type="datetimeFigureOut">
               <a:rPr lang="de-CH" smtClean="0"/>
-              <a:t>06.10.2022</a:t>
+              <a:t>27.10.2022</a:t>
             </a:fld>
             <a:endParaRPr lang="de-CH"/>
           </a:p>
@@ -10823,7 +10823,7 @@
           <a:p>
             <a:fld id="{777CB61F-8064-494C-AE5A-D23A5956DE3E}" type="datetimeFigureOut">
               <a:rPr lang="de-CH" smtClean="0"/>
-              <a:t>06.10.2022</a:t>
+              <a:t>27.10.2022</a:t>
             </a:fld>
             <a:endParaRPr lang="de-CH"/>
           </a:p>
@@ -13706,9 +13706,10 @@
           <a:lstStyle/>
           <a:p>
             <a:r>
-              <a:rPr lang="de-CH" dirty="0"/>
-              <a:t>Skills</a:t>
+              <a:rPr lang="de-CH"/>
+              <a:t>Projects</a:t>
             </a:r>
+            <a:endParaRPr lang="de-CH" dirty="0"/>
           </a:p>
         </p:txBody>
       </p:sp>
